--- a/Musical Notes Recognition.pptx
+++ b/Musical Notes Recognition.pptx
@@ -13,6 +13,8 @@
     <p:sldId id="261" r:id="rId7"/>
     <p:sldId id="262" r:id="rId8"/>
     <p:sldId id="264" r:id="rId9"/>
+    <p:sldId id="265" r:id="rId10"/>
+    <p:sldId id="266" r:id="rId11"/>
   </p:sldIdLst>
   <p:sldSz cx="12192000" cy="6858000"/>
   <p:notesSz cx="6858000" cy="9144000"/>
@@ -111,6 +113,11 @@
       </a:defRPr>
     </a:lvl9pPr>
   </p:defaultTextStyle>
+  <p:extLst>
+    <p:ext uri="{EFAFB233-063F-42B5-8137-9DF3F51BA10A}">
+      <p15:sldGuideLst xmlns:p15="http://schemas.microsoft.com/office/powerpoint/2012/main"/>
+    </p:ext>
+  </p:extLst>
 </p:presentation>
 </file>
 
@@ -6643,6 +6650,240 @@
 </p:sld>
 </file>
 
+<file path=ppt/slides/slide10.xml><?xml version="1.0" encoding="utf-8"?>
+<p:sld xmlns:a="http://schemas.openxmlformats.org/drawingml/2006/main" xmlns:r="http://schemas.openxmlformats.org/officeDocument/2006/relationships" xmlns:p="http://schemas.openxmlformats.org/presentationml/2006/main">
+  <p:cSld>
+    <p:bg>
+      <p:bgPr>
+        <a:solidFill>
+          <a:schemeClr val="bg1">
+            <a:tint val="95000"/>
+            <a:satMod val="170000"/>
+          </a:schemeClr>
+        </a:solidFill>
+        <a:effectLst/>
+      </p:bgPr>
+    </p:bg>
+    <p:spTree>
+      <p:nvGrpSpPr>
+        <p:cNvPr id="1" name=""/>
+        <p:cNvGrpSpPr/>
+        <p:nvPr/>
+      </p:nvGrpSpPr>
+      <p:grpSpPr>
+        <a:xfrm>
+          <a:off x="0" y="0"/>
+          <a:ext cx="0" cy="0"/>
+          <a:chOff x="0" y="0"/>
+          <a:chExt cx="0" cy="0"/>
+        </a:xfrm>
+      </p:grpSpPr>
+      <p:sp useBgFill="1">
+        <p:nvSpPr>
+          <p:cNvPr id="8" name="Rectangle 7">
+            <a:extLst>
+              <a:ext uri="{FF2B5EF4-FFF2-40B4-BE49-F238E27FC236}">
+                <a16:creationId xmlns:a16="http://schemas.microsoft.com/office/drawing/2014/main" id="{AD72D4D1-076F-49D3-9889-EFC4F6D7CA66}"/>
+              </a:ext>
+              <a:ext uri="{C183D7F6-B498-43B3-948B-1728B52AA6E4}">
+                <adec:decorative xmlns:adec="http://schemas.microsoft.com/office/drawing/2017/decorative" val="1"/>
+              </a:ext>
+            </a:extLst>
+          </p:cNvPr>
+          <p:cNvSpPr>
+            <a:spLocks noGrp="1" noRot="1" noChangeAspect="1" noMove="1" noResize="1" noEditPoints="1" noAdjustHandles="1" noChangeArrowheads="1" noChangeShapeType="1" noTextEdit="1"/>
+          </p:cNvSpPr>
+          <p:nvPr>
+            <p:extLst>
+              <p:ext uri="{386F3935-93C4-4BCD-93E2-E3B085C9AB24}">
+                <p16:designElem xmlns:p16="http://schemas.microsoft.com/office/powerpoint/2015/main" val="1"/>
+              </p:ext>
+            </p:extLst>
+          </p:nvPr>
+        </p:nvSpPr>
+        <p:spPr>
+          <a:xfrm>
+            <a:off x="0" y="0"/>
+            <a:ext cx="12188952" cy="6858000"/>
+          </a:xfrm>
+          <a:prstGeom prst="rect">
+            <a:avLst/>
+          </a:prstGeom>
+          <a:ln>
+            <a:noFill/>
+          </a:ln>
+        </p:spPr>
+        <p:style>
+          <a:lnRef idx="2">
+            <a:schemeClr val="accent1">
+              <a:shade val="50000"/>
+            </a:schemeClr>
+          </a:lnRef>
+          <a:fillRef idx="1">
+            <a:schemeClr val="accent1"/>
+          </a:fillRef>
+          <a:effectRef idx="0">
+            <a:schemeClr val="accent1"/>
+          </a:effectRef>
+          <a:fontRef idx="minor">
+            <a:schemeClr val="lt1"/>
+          </a:fontRef>
+        </p:style>
+        <p:txBody>
+          <a:bodyPr rtlCol="0" anchor="ctr"/>
+          <a:lstStyle/>
+          <a:p>
+            <a:pPr algn="ctr"/>
+            <a:endParaRPr lang="en-US"/>
+          </a:p>
+        </p:txBody>
+      </p:sp>
+      <p:sp>
+        <p:nvSpPr>
+          <p:cNvPr id="2" name="Title 1">
+            <a:extLst>
+              <a:ext uri="{FF2B5EF4-FFF2-40B4-BE49-F238E27FC236}">
+                <a16:creationId xmlns:a16="http://schemas.microsoft.com/office/drawing/2014/main" id="{530E8B04-212D-4871-B01C-E4A62A591747}"/>
+              </a:ext>
+            </a:extLst>
+          </p:cNvPr>
+          <p:cNvSpPr>
+            <a:spLocks noGrp="1"/>
+          </p:cNvSpPr>
+          <p:nvPr>
+            <p:ph type="title"/>
+          </p:nvPr>
+        </p:nvSpPr>
+        <p:spPr>
+          <a:xfrm>
+            <a:off x="838200" y="963877"/>
+            <a:ext cx="3494362" cy="4930246"/>
+          </a:xfrm>
+        </p:spPr>
+        <p:txBody>
+          <a:bodyPr>
+            <a:normAutofit/>
+          </a:bodyPr>
+          <a:lstStyle/>
+          <a:p>
+            <a:pPr algn="r"/>
+            <a:r>
+              <a:rPr lang="en-US" dirty="0"/>
+              <a:t>GitHub Repository</a:t>
+            </a:r>
+            <a:endParaRPr lang="ro-RO" dirty="0"/>
+          </a:p>
+        </p:txBody>
+      </p:sp>
+      <p:cxnSp>
+        <p:nvCxnSpPr>
+          <p:cNvPr id="10" name="Straight Connector 9">
+            <a:extLst>
+              <a:ext uri="{FF2B5EF4-FFF2-40B4-BE49-F238E27FC236}">
+                <a16:creationId xmlns:a16="http://schemas.microsoft.com/office/drawing/2014/main" id="{2D72A2C9-F3CA-4216-8BAD-FA4C970C3C4E}"/>
+              </a:ext>
+              <a:ext uri="{C183D7F6-B498-43B3-948B-1728B52AA6E4}">
+                <adec:decorative xmlns:adec="http://schemas.microsoft.com/office/drawing/2017/decorative" val="1"/>
+              </a:ext>
+            </a:extLst>
+          </p:cNvPr>
+          <p:cNvCxnSpPr>
+            <a:cxnSpLocks noGrp="1" noRot="1" noChangeAspect="1" noMove="1" noResize="1" noEditPoints="1" noAdjustHandles="1" noChangeArrowheads="1" noChangeShapeType="1"/>
+          </p:cNvCxnSpPr>
+          <p:nvPr>
+            <p:extLst>
+              <p:ext uri="{386F3935-93C4-4BCD-93E2-E3B085C9AB24}">
+                <p16:designElem xmlns:p16="http://schemas.microsoft.com/office/powerpoint/2015/main" val="1"/>
+              </p:ext>
+            </p:extLst>
+          </p:nvPr>
+        </p:nvCxnSpPr>
+        <p:spPr>
+          <a:xfrm>
+            <a:off x="4654296" y="2057400"/>
+            <a:ext cx="0" cy="2743200"/>
+          </a:xfrm>
+          <a:prstGeom prst="line">
+            <a:avLst/>
+          </a:prstGeom>
+          <a:ln w="15875">
+            <a:solidFill>
+              <a:schemeClr val="tx1"/>
+            </a:solidFill>
+          </a:ln>
+        </p:spPr>
+        <p:style>
+          <a:lnRef idx="1">
+            <a:schemeClr val="accent1"/>
+          </a:lnRef>
+          <a:fillRef idx="0">
+            <a:schemeClr val="accent1"/>
+          </a:fillRef>
+          <a:effectRef idx="0">
+            <a:schemeClr val="accent1"/>
+          </a:effectRef>
+          <a:fontRef idx="minor">
+            <a:schemeClr val="tx1"/>
+          </a:fontRef>
+        </p:style>
+      </p:cxnSp>
+      <p:sp>
+        <p:nvSpPr>
+          <p:cNvPr id="3" name="Content Placeholder 2">
+            <a:extLst>
+              <a:ext uri="{FF2B5EF4-FFF2-40B4-BE49-F238E27FC236}">
+                <a16:creationId xmlns:a16="http://schemas.microsoft.com/office/drawing/2014/main" id="{5AEBDD55-6E3C-4137-AFEA-739AAA5CD680}"/>
+              </a:ext>
+            </a:extLst>
+          </p:cNvPr>
+          <p:cNvSpPr>
+            <a:spLocks noGrp="1"/>
+          </p:cNvSpPr>
+          <p:nvPr>
+            <p:ph idx="1"/>
+          </p:nvPr>
+        </p:nvSpPr>
+        <p:spPr>
+          <a:xfrm>
+            <a:off x="4976031" y="963877"/>
+            <a:ext cx="6377769" cy="4930246"/>
+          </a:xfrm>
+        </p:spPr>
+        <p:txBody>
+          <a:bodyPr anchor="ctr">
+            <a:normAutofit/>
+          </a:bodyPr>
+          <a:lstStyle/>
+          <a:p>
+            <a:r>
+              <a:rPr lang="ro-RO" sz="2400" dirty="0">
+                <a:hlinkClick r:id="rId2">
+                  <a:extLst>
+                    <a:ext uri="{A12FA001-AC4F-418D-AE19-62706E023703}">
+                      <ahyp:hlinkClr xmlns:ahyp="http://schemas.microsoft.com/office/drawing/2018/hyperlinkcolor" val="tx"/>
+                    </a:ext>
+                  </a:extLst>
+                </a:hlinkClick>
+              </a:rPr>
+              <a:t>https://github.com/ValentinCerneanu/Musical-Notes-Recognition</a:t>
+            </a:r>
+            <a:endParaRPr lang="ro-RO" sz="2400" dirty="0"/>
+          </a:p>
+        </p:txBody>
+      </p:sp>
+    </p:spTree>
+    <p:extLst>
+      <p:ext uri="{BB962C8B-B14F-4D97-AF65-F5344CB8AC3E}">
+        <p14:creationId xmlns:p14="http://schemas.microsoft.com/office/powerpoint/2010/main" val="1103451668"/>
+      </p:ext>
+    </p:extLst>
+  </p:cSld>
+  <p:clrMapOvr>
+    <a:overrideClrMapping bg1="dk1" tx1="lt1" bg2="dk2" tx2="lt2" accent1="accent1" accent2="accent2" accent3="accent3" accent4="accent4" accent5="accent5" accent6="accent6" hlink="hlink" folHlink="folHlink"/>
+  </p:clrMapOvr>
+</p:sld>
+</file>
+
 <file path=ppt/slides/slide2.xml><?xml version="1.0" encoding="utf-8"?>
 <p:sld xmlns:a="http://schemas.openxmlformats.org/drawingml/2006/main" xmlns:r="http://schemas.openxmlformats.org/officeDocument/2006/relationships" xmlns:p="http://schemas.openxmlformats.org/presentationml/2006/main">
   <p:cSld>
@@ -7132,13 +7373,6 @@
               <a:rPr lang="en-US" sz="2400" dirty="0"/>
               <a:t>) we decompose the audio time series into harmonic and percussive components</a:t>
             </a:r>
-          </a:p>
-          <a:p>
-            <a:r>
-              <a:rPr lang="en-US" sz="2400" dirty="0"/>
-              <a:t> </a:t>
-            </a:r>
-            <a:endParaRPr lang="ro-RO" sz="2400" dirty="0"/>
           </a:p>
         </p:txBody>
       </p:sp>
@@ -8150,6 +8384,289 @@
   </p:cSld>
   <p:clrMapOvr>
     <a:masterClrMapping/>
+  </p:clrMapOvr>
+</p:sld>
+</file>
+
+<file path=ppt/slides/slide9.xml><?xml version="1.0" encoding="utf-8"?>
+<p:sld xmlns:a="http://schemas.openxmlformats.org/drawingml/2006/main" xmlns:r="http://schemas.openxmlformats.org/officeDocument/2006/relationships" xmlns:p="http://schemas.openxmlformats.org/presentationml/2006/main">
+  <p:cSld>
+    <p:bg>
+      <p:bgPr>
+        <a:solidFill>
+          <a:schemeClr val="bg1">
+            <a:tint val="95000"/>
+            <a:satMod val="170000"/>
+          </a:schemeClr>
+        </a:solidFill>
+        <a:effectLst/>
+      </p:bgPr>
+    </p:bg>
+    <p:spTree>
+      <p:nvGrpSpPr>
+        <p:cNvPr id="1" name=""/>
+        <p:cNvGrpSpPr/>
+        <p:nvPr/>
+      </p:nvGrpSpPr>
+      <p:grpSpPr>
+        <a:xfrm>
+          <a:off x="0" y="0"/>
+          <a:ext cx="0" cy="0"/>
+          <a:chOff x="0" y="0"/>
+          <a:chExt cx="0" cy="0"/>
+        </a:xfrm>
+      </p:grpSpPr>
+      <p:sp useBgFill="1">
+        <p:nvSpPr>
+          <p:cNvPr id="8" name="Rectangle 7">
+            <a:extLst>
+              <a:ext uri="{FF2B5EF4-FFF2-40B4-BE49-F238E27FC236}">
+                <a16:creationId xmlns:a16="http://schemas.microsoft.com/office/drawing/2014/main" id="{AD72D4D1-076F-49D3-9889-EFC4F6D7CA66}"/>
+              </a:ext>
+              <a:ext uri="{C183D7F6-B498-43B3-948B-1728B52AA6E4}">
+                <adec:decorative xmlns:adec="http://schemas.microsoft.com/office/drawing/2017/decorative" val="1"/>
+              </a:ext>
+            </a:extLst>
+          </p:cNvPr>
+          <p:cNvSpPr>
+            <a:spLocks noGrp="1" noRot="1" noChangeAspect="1" noMove="1" noResize="1" noEditPoints="1" noAdjustHandles="1" noChangeArrowheads="1" noChangeShapeType="1" noTextEdit="1"/>
+          </p:cNvSpPr>
+          <p:nvPr>
+            <p:extLst>
+              <p:ext uri="{386F3935-93C4-4BCD-93E2-E3B085C9AB24}">
+                <p16:designElem xmlns:p16="http://schemas.microsoft.com/office/powerpoint/2015/main" val="1"/>
+              </p:ext>
+            </p:extLst>
+          </p:nvPr>
+        </p:nvSpPr>
+        <p:spPr>
+          <a:xfrm>
+            <a:off x="0" y="0"/>
+            <a:ext cx="12188952" cy="6858000"/>
+          </a:xfrm>
+          <a:prstGeom prst="rect">
+            <a:avLst/>
+          </a:prstGeom>
+          <a:ln>
+            <a:noFill/>
+          </a:ln>
+        </p:spPr>
+        <p:style>
+          <a:lnRef idx="2">
+            <a:schemeClr val="accent1">
+              <a:shade val="50000"/>
+            </a:schemeClr>
+          </a:lnRef>
+          <a:fillRef idx="1">
+            <a:schemeClr val="accent1"/>
+          </a:fillRef>
+          <a:effectRef idx="0">
+            <a:schemeClr val="accent1"/>
+          </a:effectRef>
+          <a:fontRef idx="minor">
+            <a:schemeClr val="lt1"/>
+          </a:fontRef>
+        </p:style>
+        <p:txBody>
+          <a:bodyPr rtlCol="0" anchor="ctr"/>
+          <a:lstStyle/>
+          <a:p>
+            <a:pPr algn="ctr"/>
+            <a:endParaRPr lang="en-US"/>
+          </a:p>
+        </p:txBody>
+      </p:sp>
+      <p:sp>
+        <p:nvSpPr>
+          <p:cNvPr id="2" name="Title 1">
+            <a:extLst>
+              <a:ext uri="{FF2B5EF4-FFF2-40B4-BE49-F238E27FC236}">
+                <a16:creationId xmlns:a16="http://schemas.microsoft.com/office/drawing/2014/main" id="{11AF20A7-8B52-492A-ACE4-EBE802255B1B}"/>
+              </a:ext>
+            </a:extLst>
+          </p:cNvPr>
+          <p:cNvSpPr>
+            <a:spLocks noGrp="1"/>
+          </p:cNvSpPr>
+          <p:nvPr>
+            <p:ph type="title"/>
+          </p:nvPr>
+        </p:nvSpPr>
+        <p:spPr>
+          <a:xfrm>
+            <a:off x="838200" y="963877"/>
+            <a:ext cx="3494362" cy="4930246"/>
+          </a:xfrm>
+        </p:spPr>
+        <p:txBody>
+          <a:bodyPr>
+            <a:normAutofit/>
+          </a:bodyPr>
+          <a:lstStyle/>
+          <a:p>
+            <a:pPr algn="r"/>
+            <a:r>
+              <a:rPr lang="en-US" dirty="0"/>
+              <a:t>References</a:t>
+            </a:r>
+            <a:endParaRPr lang="ro-RO" dirty="0"/>
+          </a:p>
+        </p:txBody>
+      </p:sp>
+      <p:cxnSp>
+        <p:nvCxnSpPr>
+          <p:cNvPr id="10" name="Straight Connector 9">
+            <a:extLst>
+              <a:ext uri="{FF2B5EF4-FFF2-40B4-BE49-F238E27FC236}">
+                <a16:creationId xmlns:a16="http://schemas.microsoft.com/office/drawing/2014/main" id="{2D72A2C9-F3CA-4216-8BAD-FA4C970C3C4E}"/>
+              </a:ext>
+              <a:ext uri="{C183D7F6-B498-43B3-948B-1728B52AA6E4}">
+                <adec:decorative xmlns:adec="http://schemas.microsoft.com/office/drawing/2017/decorative" val="1"/>
+              </a:ext>
+            </a:extLst>
+          </p:cNvPr>
+          <p:cNvCxnSpPr>
+            <a:cxnSpLocks noGrp="1" noRot="1" noChangeAspect="1" noMove="1" noResize="1" noEditPoints="1" noAdjustHandles="1" noChangeArrowheads="1" noChangeShapeType="1"/>
+          </p:cNvCxnSpPr>
+          <p:nvPr>
+            <p:extLst>
+              <p:ext uri="{386F3935-93C4-4BCD-93E2-E3B085C9AB24}">
+                <p16:designElem xmlns:p16="http://schemas.microsoft.com/office/powerpoint/2015/main" val="1"/>
+              </p:ext>
+            </p:extLst>
+          </p:nvPr>
+        </p:nvCxnSpPr>
+        <p:spPr>
+          <a:xfrm>
+            <a:off x="4654296" y="2057400"/>
+            <a:ext cx="0" cy="2743200"/>
+          </a:xfrm>
+          <a:prstGeom prst="line">
+            <a:avLst/>
+          </a:prstGeom>
+          <a:ln w="15875">
+            <a:solidFill>
+              <a:schemeClr val="tx1"/>
+            </a:solidFill>
+          </a:ln>
+        </p:spPr>
+        <p:style>
+          <a:lnRef idx="1">
+            <a:schemeClr val="accent1"/>
+          </a:lnRef>
+          <a:fillRef idx="0">
+            <a:schemeClr val="accent1"/>
+          </a:fillRef>
+          <a:effectRef idx="0">
+            <a:schemeClr val="accent1"/>
+          </a:effectRef>
+          <a:fontRef idx="minor">
+            <a:schemeClr val="tx1"/>
+          </a:fontRef>
+        </p:style>
+      </p:cxnSp>
+      <p:sp>
+        <p:nvSpPr>
+          <p:cNvPr id="3" name="Content Placeholder 2">
+            <a:extLst>
+              <a:ext uri="{FF2B5EF4-FFF2-40B4-BE49-F238E27FC236}">
+                <a16:creationId xmlns:a16="http://schemas.microsoft.com/office/drawing/2014/main" id="{ABBDAE3C-1484-4E1F-A18B-28BEA14C76A9}"/>
+              </a:ext>
+            </a:extLst>
+          </p:cNvPr>
+          <p:cNvSpPr>
+            <a:spLocks noGrp="1"/>
+          </p:cNvSpPr>
+          <p:nvPr>
+            <p:ph idx="1"/>
+          </p:nvPr>
+        </p:nvSpPr>
+        <p:spPr>
+          <a:xfrm>
+            <a:off x="4976031" y="963877"/>
+            <a:ext cx="6377769" cy="4930246"/>
+          </a:xfrm>
+        </p:spPr>
+        <p:txBody>
+          <a:bodyPr anchor="ctr">
+            <a:normAutofit/>
+          </a:bodyPr>
+          <a:lstStyle/>
+          <a:p>
+            <a:r>
+              <a:rPr lang="en-US" sz="2400" dirty="0"/>
+              <a:t>For generating sounds with a given frequency </a:t>
+            </a:r>
+            <a:r>
+              <a:rPr lang="ro-RO" sz="2400" dirty="0">
+                <a:hlinkClick r:id="rId2">
+                  <a:extLst>
+                    <a:ext uri="{A12FA001-AC4F-418D-AE19-62706E023703}">
+                      <ahyp:hlinkClr xmlns:ahyp="http://schemas.microsoft.com/office/drawing/2018/hyperlinkcolor" val="tx"/>
+                    </a:ext>
+                  </a:extLst>
+                </a:hlinkClick>
+              </a:rPr>
+              <a:t>https://www.szynalski.com/tone-generator/</a:t>
+            </a:r>
+            <a:endParaRPr lang="en-US" sz="2400" dirty="0"/>
+          </a:p>
+          <a:p>
+            <a:r>
+              <a:rPr lang="en-US" sz="2400" dirty="0"/>
+              <a:t>For generating musical notes </a:t>
+            </a:r>
+            <a:r>
+              <a:rPr lang="ro-RO" sz="2400" dirty="0">
+                <a:hlinkClick r:id="rId3">
+                  <a:extLst>
+                    <a:ext uri="{A12FA001-AC4F-418D-AE19-62706E023703}">
+                      <ahyp:hlinkClr xmlns:ahyp="http://schemas.microsoft.com/office/drawing/2018/hyperlinkcolor" val="tx"/>
+                    </a:ext>
+                  </a:extLst>
+                </a:hlinkClick>
+              </a:rPr>
+              <a:t>https://tuner-online.com/by-ear/</a:t>
+            </a:r>
+            <a:endParaRPr lang="en-US" sz="2400" dirty="0"/>
+          </a:p>
+          <a:p>
+            <a:r>
+              <a:rPr lang="en-US" sz="2400" dirty="0" err="1"/>
+              <a:t>Librosa</a:t>
+            </a:r>
+            <a:r>
+              <a:rPr lang="en-US" sz="2400" dirty="0"/>
+              <a:t> library documentation </a:t>
+            </a:r>
+            <a:r>
+              <a:rPr lang="ro-RO" sz="2400" dirty="0">
+                <a:hlinkClick r:id="rId4">
+                  <a:extLst>
+                    <a:ext uri="{A12FA001-AC4F-418D-AE19-62706E023703}">
+                      <ahyp:hlinkClr xmlns:ahyp="http://schemas.microsoft.com/office/drawing/2018/hyperlinkcolor" val="tx"/>
+                    </a:ext>
+                  </a:extLst>
+                </a:hlinkClick>
+              </a:rPr>
+              <a:t>https://librosa.github.io/librosa/</a:t>
+            </a:r>
+            <a:endParaRPr lang="en-US" sz="2400" dirty="0"/>
+          </a:p>
+          <a:p>
+            <a:endParaRPr lang="ro-RO" sz="2400" dirty="0"/>
+          </a:p>
+        </p:txBody>
+      </p:sp>
+    </p:spTree>
+    <p:extLst>
+      <p:ext uri="{BB962C8B-B14F-4D97-AF65-F5344CB8AC3E}">
+        <p14:creationId xmlns:p14="http://schemas.microsoft.com/office/powerpoint/2010/main" val="2160913569"/>
+      </p:ext>
+    </p:extLst>
+  </p:cSld>
+  <p:clrMapOvr>
+    <a:overrideClrMapping bg1="dk1" tx1="lt1" bg2="dk2" tx2="lt2" accent1="accent1" accent2="accent2" accent3="accent3" accent4="accent4" accent5="accent5" accent6="accent6" hlink="hlink" folHlink="folHlink"/>
   </p:clrMapOvr>
 </p:sld>
 </file>

--- a/Musical Notes Recognition.pptx
+++ b/Musical Notes Recognition.pptx
@@ -6514,14 +6514,14 @@
           <a:p>
             <a:pPr algn="r"/>
             <a:r>
-              <a:rPr lang="en-US" sz="4800">
+              <a:rPr lang="en-US" sz="4800" dirty="0">
                 <a:solidFill>
                   <a:schemeClr val="bg1"/>
                 </a:solidFill>
               </a:rPr>
               <a:t>Musical Notes Recognition</a:t>
             </a:r>
-            <a:endParaRPr lang="ro-RO" sz="4800">
+            <a:endParaRPr lang="ro-RO" sz="4800" dirty="0">
               <a:solidFill>
                 <a:schemeClr val="bg1"/>
               </a:solidFill>
@@ -6559,7 +6559,7 @@
           <a:p>
             <a:pPr algn="l"/>
             <a:r>
-              <a:rPr lang="en-US" sz="2000">
+              <a:rPr lang="en-US" sz="2000" dirty="0">
                 <a:solidFill>
                   <a:srgbClr val="FFC000"/>
                 </a:solidFill>
@@ -6570,14 +6570,22 @@
           <a:p>
             <a:pPr algn="l"/>
             <a:r>
-              <a:rPr lang="en-US" sz="2000">
+              <a:rPr lang="en-US" sz="2000" dirty="0" err="1">
                 <a:solidFill>
                   <a:srgbClr val="FFC000"/>
                 </a:solidFill>
               </a:rPr>
-              <a:t>Musteata Cosmin</a:t>
-            </a:r>
-            <a:endParaRPr lang="ro-RO" sz="2000">
+              <a:t>Musteata</a:t>
+            </a:r>
+            <a:r>
+              <a:rPr lang="en-US" sz="2000" dirty="0">
+                <a:solidFill>
+                  <a:srgbClr val="FFC000"/>
+                </a:solidFill>
+              </a:rPr>
+              <a:t> Cosmin</a:t>
+            </a:r>
+            <a:endParaRPr lang="ro-RO" sz="2000" dirty="0">
               <a:solidFill>
                 <a:srgbClr val="FFC000"/>
               </a:solidFill>
@@ -7001,7 +7009,7 @@
           <a:lstStyle/>
           <a:p>
             <a:r>
-              <a:rPr lang="en-US"/>
+              <a:rPr lang="en-US" dirty="0"/>
               <a:t>Our idea</a:t>
             </a:r>
             <a:endParaRPr lang="ro-RO" dirty="0"/>
@@ -7224,10 +7232,10 @@
           <a:p>
             <a:pPr algn="r"/>
             <a:r>
-              <a:rPr lang="en-US"/>
+              <a:rPr lang="en-US" dirty="0"/>
               <a:t>What we used</a:t>
             </a:r>
-            <a:endParaRPr lang="ro-RO"/>
+            <a:endParaRPr lang="ro-RO" dirty="0"/>
           </a:p>
         </p:txBody>
       </p:sp>
@@ -7595,16 +7603,32 @@
           <a:lstStyle/>
           <a:p>
             <a:r>
-              <a:rPr lang="en-US" sz="2400"/>
-              <a:t>In music, the term chromagram closely relates to the twelve different pitch classes. Chromagrams, also referred to as "pitch class profiles", are a powerful tool for analyzing music whose pitches can be meaningfully categorized</a:t>
-            </a:r>
-          </a:p>
-          <a:p>
-            <a:r>
-              <a:rPr lang="en-US" sz="2400"/>
+              <a:rPr lang="en-US" sz="2400" dirty="0"/>
+              <a:t>In music, the term </a:t>
+            </a:r>
+            <a:r>
+              <a:rPr lang="en-US" sz="2400" dirty="0" err="1"/>
+              <a:t>chromagram</a:t>
+            </a:r>
+            <a:r>
+              <a:rPr lang="en-US" sz="2400" dirty="0"/>
+              <a:t> closely relates to the twelve different pitch classes. </a:t>
+            </a:r>
+            <a:r>
+              <a:rPr lang="en-US" sz="2400" dirty="0" err="1"/>
+              <a:t>Chromagrams</a:t>
+            </a:r>
+            <a:r>
+              <a:rPr lang="en-US" sz="2400" dirty="0"/>
+              <a:t>, also referred to as "pitch class profiles", are a powerful tool for analyzing music whose pitches can be meaningfully categorized</a:t>
+            </a:r>
+          </a:p>
+          <a:p>
+            <a:r>
+              <a:rPr lang="en-US" sz="2400" dirty="0"/>
               <a:t>One main property of chroma features is that they capture harmonic and melodic characteristics of music, while being robust to changes in timbre and instrumentation.</a:t>
             </a:r>
-            <a:endParaRPr lang="ro-RO" sz="2400"/>
+            <a:endParaRPr lang="ro-RO" sz="2400" dirty="0"/>
           </a:p>
         </p:txBody>
       </p:sp>
@@ -7983,7 +8007,7 @@
         </p:blipFill>
         <p:spPr>
           <a:xfrm>
-            <a:off x="2005012" y="2316440"/>
+            <a:off x="2005012" y="2386584"/>
             <a:ext cx="8181975" cy="4326514"/>
           </a:xfrm>
           <a:prstGeom prst="rect">
